--- a/interview/loan_fast_approval_slides_gm.pptx
+++ b/interview/loan_fast_approval_slides_gm.pptx
@@ -200,7 +200,7 @@
           <a:p>
             <a:fld id="{B453364B-3CC6-420C-914F-8D0D78650FDD}" type="datetimeFigureOut">
               <a:rPr lang="en-US" smtClean="0"/>
-              <a:t>11/15/2022</a:t>
+              <a:t>11/16/2022</a:t>
             </a:fld>
             <a:endParaRPr lang="en-US"/>
           </a:p>
@@ -531,7 +531,7 @@
           <a:p>
             <a:r>
               <a:rPr lang="en-US" dirty="0"/>
-              <a:t>In the state of Illinois, it takes on average 30.5 days to get a mortgage (from loan application to decision), which carries a cost of $13 billion annually to consumers and financial institutions. Therefore, an automated solution has the potential to be attractive for consumers, yourselves as the financial institutions who need to process the loans, and us as the regulator.</a:t>
+              <a:t>In the state of Illinois, it takes an average of 30.5 days to get a mortgage (from loan application to decision), which carries a cost of $13 billion annually to consumers and financial institutions. Therefore, an automated solution has the potential to be highly attractive.</a:t>
             </a:r>
           </a:p>
           <a:p>
@@ -540,7 +540,7 @@
           <a:p>
             <a:r>
               <a:rPr lang="en-US" dirty="0"/>
-              <a:t>For example, consumers would no longer need to wait a month for extremely important and life changing news about their loan. Cost savings of potentially 13 billion dollars a year would mean higher profits for banks, and some of that would trickle down to consumers as banks would have more breathing room to compete for loan applicants.</a:t>
+              <a:t>Some examples of the potential benefits would be; consumers would no longer need to wait a month for extremely important and life changing news about their loan. Cost savings of potentially 13 billion dollars a year would mean higher profits for yourselves, and hopefully cost savings for consumers.</a:t>
             </a:r>
           </a:p>
           <a:p>
@@ -549,7 +549,7 @@
           <a:p>
             <a:r>
               <a:rPr lang="en-US" dirty="0"/>
-              <a:t>As for us as the regulator, we also see the potential benefits for ourselves. As you all know, our agency is dedicated to making sure everyone is treated fairly by banks, lenders and other financial institutions. An automated solution has the potential to increase fairness by reducing the implicit and explicit bias that has historically and currently exists in the US Financial System.</a:t>
+              <a:t>As for us as the regulator, we also see the potential benefits for ourselves. As you all know, our agency is dedicated to ensuring everyone is treated fairly by banks, lenders and other financial institutions. An automated solution has the potential to increase fairness by reducing the bias that unfortunately exists in the US Financial System.</a:t>
             </a:r>
           </a:p>
           <a:p>
@@ -558,7 +558,7 @@
           <a:p>
             <a:r>
               <a:rPr lang="en-US" dirty="0"/>
-              <a:t>However, there is a reason it takes over 30 days for a loan to be processed. A loan decision has the potential to massively alter the trajectory of an entire family's future. The remainder of todays discussion will focus on two equally important questions:</a:t>
+              <a:t>The remainder of today’s discussion will focus on two equally important questions:</a:t>
             </a:r>
           </a:p>
           <a:p>
@@ -567,17 +567,37 @@
           <a:p>
             <a:r>
               <a:rPr lang="en-US" dirty="0"/>
-              <a:t>1. Is an automated machine learning approach to loan origination possible?</a:t>
-            </a:r>
-          </a:p>
-          <a:p>
-            <a:endParaRPr lang="en-US" dirty="0"/>
-          </a:p>
-          <a:p>
+              <a:t>1. Is an automated machine learning based approach to loan origination possible?</a:t>
+            </a:r>
+          </a:p>
+          <a:p>
+            <a:endParaRPr lang="en-US" dirty="0"/>
+          </a:p>
+          <a:p>
+            <a:pPr marL="0" marR="0" lvl="0" indent="0" algn="l" defTabSz="914400" rtl="0" eaLnBrk="1" fontAlgn="auto" latinLnBrk="0" hangingPunct="1">
+              <a:lnSpc>
+                <a:spcPct val="100000"/>
+              </a:lnSpc>
+              <a:spcBef>
+                <a:spcPts val="0"/>
+              </a:spcBef>
+              <a:spcAft>
+                <a:spcPts val="0"/>
+              </a:spcAft>
+              <a:buClrTx/>
+              <a:buSzTx/>
+              <a:buFontTx/>
+              <a:buNone/>
+              <a:tabLst/>
+              <a:defRPr/>
+            </a:pPr>
             <a:r>
               <a:rPr lang="en-US" dirty="0"/>
-              <a:t>2. Is it the right thing to do?</a:t>
-            </a:r>
+              <a:t>2. Is it the right thing to do? There is a reason it takes over 30 days for a loan to be processed. A loan decision has the potential to massively alter the trajectory of an entire family’s financial future. </a:t>
+            </a:r>
+          </a:p>
+          <a:p>
+            <a:endParaRPr lang="en-US" dirty="0"/>
           </a:p>
         </p:txBody>
       </p:sp>
@@ -672,7 +692,7 @@
           <a:p>
             <a:r>
               <a:rPr lang="en-US" dirty="0"/>
-              <a:t>Based on internal work done by our data scientists, a ML model can be used to predict loan approvals with a very high level of accuracy, and other model evaluation metrics indicate that we are off to a good start. There are two reasons why a model appears to work well.</a:t>
+              <a:t>Based on internal work done by our data scientists, a ML model can be used to predict loan approvals with a very high level of accuracy. There are two reasons why a model appears to work well.</a:t>
             </a:r>
           </a:p>
           <a:p>
@@ -684,7 +704,15 @@
             </a:pPr>
             <a:r>
               <a:rPr lang="en-US" dirty="0"/>
-              <a:t>This problem is well suited for a model. You have a very clear independent variable, and dependent variables that are intuitively related to that independent variable. These are ideal conditions for a statistical model.</a:t>
+              <a:t>This problem is well suited for a model. You have a very clear dependent variable (loan outcome), and independent variables (income, loan amount, </a:t>
+            </a:r>
+            <a:r>
+              <a:rPr lang="en-US" dirty="0" err="1"/>
+              <a:t>etc</a:t>
+            </a:r>
+            <a:r>
+              <a:rPr lang="en-US" dirty="0"/>
+              <a:t>) that are intuitively related to that dependent variable. These are ideal conditions for a statistical model to be applied.</a:t>
             </a:r>
           </a:p>
           <a:p>
@@ -693,7 +721,7 @@
             </a:pPr>
             <a:r>
               <a:rPr lang="en-US" dirty="0"/>
-              <a:t>There is a huge amount of data. Based on the data provided by the financial institutions, we have well over 500,000 individual loans that can be used to teach the model how to evaluate a loan application. This amount of data is way more than the bare minimum for an effective model, and the more data the better. A lot of data is both a blessing and a curse. Having a lot of loans in the dataset is great, but having 50+ factors (income, loan amount, </a:t>
+              <a:t>There is a huge amount of data. Based on the data provided by the financial institutions, we have well over 500,000 individual loans that can be used to teach the model how to mimic a human loan officer and process a loan application correctly. This amount of data is way more than the bare minimum for an effective model, and the more data the better. A lot of data is both a blessing and a curse. Having a lot of loans in the dataset is great, but having 50+ variables (income, loan amount, </a:t>
             </a:r>
             <a:r>
               <a:rPr lang="en-US" dirty="0" err="1"/>
@@ -809,6 +837,15 @@
           <a:p>
             <a:r>
               <a:rPr lang="en-US" dirty="0"/>
+              <a:t>Alright, so let's discuss the model results. I’m not familiar with the details of how these models work, but our data scientists have assured me that these models are particularly well suited for the problem and the dataset, and we have the results to back that up. Model 2 was able to correctly predict loan outcomes with 99 percent accuracy.</a:t>
+            </a:r>
+          </a:p>
+          <a:p>
+            <a:endParaRPr lang="en-US" dirty="0"/>
+          </a:p>
+          <a:p>
+            <a:r>
+              <a:rPr lang="en-US" dirty="0"/>
               <a:t>While these preliminary results are encouraging, lets put things in perspective. </a:t>
             </a:r>
           </a:p>
@@ -832,7 +869,7 @@
             </a:pPr>
             <a:r>
               <a:rPr lang="en-US" dirty="0"/>
-              <a:t>Mortgage lenders issued 2.71 million residential loans in the first three months of 2022 across the US. A model that is 99% accurate would have made the incorrect loan decision 27 thousand times. That means that 27 thousand people and their families would either be given a loan that they can't afford (default, eviction), or qualified applicants would be rejected, and their dream of home ownership and financial independence could be irreversibly damaged. </a:t>
+              <a:t>Mortgage lenders issued 2.71 million residential loans in the first three months of 2022 across the US. A model that is 99% accurate would have made the incorrect loan decision just over 27 thousand times. That means that 27 thousand people and their families would either be given a loan that they can't afford (default, eviction), or qualified applicants would be rejected, and their dream of home ownership and financial independence could be irreversibly damaged. </a:t>
             </a:r>
           </a:p>
           <a:p>
@@ -856,30 +893,10 @@
             <a:endParaRPr lang="en-US" dirty="0"/>
           </a:p>
           <a:p>
-            <a:pPr marL="0" marR="0" lvl="0" indent="0" algn="l" defTabSz="914400" rtl="0" eaLnBrk="1" fontAlgn="auto" latinLnBrk="0" hangingPunct="1">
-              <a:lnSpc>
-                <a:spcPct val="100000"/>
-              </a:lnSpc>
-              <a:spcBef>
-                <a:spcPts val="0"/>
-              </a:spcBef>
-              <a:spcAft>
-                <a:spcPts val="0"/>
-              </a:spcAft>
-              <a:buClrTx/>
-              <a:buSzTx/>
-              <a:buFontTx/>
-              <a:buNone/>
-              <a:tabLst/>
-              <a:defRPr/>
-            </a:pPr>
             <a:r>
               <a:rPr lang="en-US" dirty="0"/>
-              <a:t>These 27 thousand errors are in addition to the fact that the model is bult on top of loan decision made by humans. The model can only ever perform as well, but not better than a human loan officers' judgement. </a:t>
-            </a:r>
-          </a:p>
-          <a:p>
-            <a:endParaRPr lang="en-US" dirty="0"/>
+              <a:t>Given this stat, I think its clear that we need to think about how to do better, and that brings me to our second question of the day. (Should a model be built and deployed?)</a:t>
+            </a:r>
           </a:p>
           <a:p>
             <a:endParaRPr lang="en-US" dirty="0"/>
@@ -968,7 +985,7 @@
           <a:p>
             <a:r>
               <a:rPr lang="en-US" dirty="0"/>
-              <a:t>So, we know a model can be built, but given the discussion on the last slide, its not clear if it would be the right thing to do. The increased speed and potential for cheaper loans would undoubtedly benefit consumers, however the 27 thousand errors each quarter have us concerned.</a:t>
+              <a:t>So, we know a model can be built, but its not 100% clear if it would be the right thing to do. The increased speed and potential for cheaper loans would undoubtedly benefit consumers, however, the 27 thousand errors each quarter have us concerned.</a:t>
             </a:r>
           </a:p>
           <a:p>
@@ -977,7 +994,7 @@
           <a:p>
             <a:r>
               <a:rPr lang="en-US" dirty="0"/>
-              <a:t>The consumer financial protection agency will only support a production model if it furthers our mandate by performing at least as good, or better, than human loan officers. The good news is that our data scientists have a plan to make this happen. It may be possible to use modern statistical methods to significantly reduce bias in the loan origination process. Its no secret that the US financial system continues to engage in lending discrimination on the basis of race, sex and national origin, with a justice department settlement made public as recent as September of this year.</a:t>
+              <a:t>The consumer financial protection bureau will only support a production model if it furthers our mandate by performing at least as well, or better than human loan officers. The good news is that our data scientists have a plan to make this happen. It may be possible to use modern statistical methods to significantly reduce bias in the loan origination process. Like many institutions, the financial system continues to struggle with bias and discrimination. In fact, as recently as September of this year, the Justice Department announced a settlement for lending discrimination on the basis of race, sex and national origin.  </a:t>
             </a:r>
           </a:p>
           <a:p>
@@ -986,7 +1003,69 @@
           <a:p>
             <a:r>
               <a:rPr lang="en-US" dirty="0"/>
-              <a:t>The high-level details of our data scientists plan is on this slide. We would like to ask you as the financial institutions to re-submit their loan data in the required format. Our data scientists can use this to build a new model that contains fewer biases compared to existing loan processes. If this goes according to plan, an automated approach to loan origination could move forward with our support, subject to the appropriate conditions and controls.</a:t>
+              <a:t>The high-level details of our data scientists </a:t>
+            </a:r>
+            <a:r>
+              <a:rPr lang="en-US"/>
+              <a:t>plan are </a:t>
+            </a:r>
+            <a:r>
+              <a:rPr lang="en-US" dirty="0"/>
+              <a:t>on this slide. We would like to ask you as the financial institutions to re-submit their loan data in the required format. Our data scientists can use this to build a new model that contains fewer biases compared to existing loan processes. If this goes according to plan, an automated approach to loan origination could move forward with our support, subject to the appropriate conditions and controls. </a:t>
+            </a:r>
+          </a:p>
+          <a:p>
+            <a:endParaRPr lang="en-US" dirty="0"/>
+          </a:p>
+          <a:p>
+            <a:r>
+              <a:rPr lang="en-US" dirty="0"/>
+              <a:t>Even with our support, a transition to algorithmic loan origination needs to be planned properly, and we have a few ideas and compromises for you to consider:</a:t>
+            </a:r>
+          </a:p>
+          <a:p>
+            <a:endParaRPr lang="en-US" dirty="0"/>
+          </a:p>
+          <a:p>
+            <a:pPr marL="228600" indent="-228600">
+              <a:buAutoNum type="arabicPeriod"/>
+            </a:pPr>
+            <a:r>
+              <a:rPr lang="en-US" dirty="0"/>
+              <a:t>Hybrid model. Something like an algorithm that is used only for loan pre-approvals, or a model that assists human loan officers, but doesn’t make the full decision without human supervision.</a:t>
+            </a:r>
+          </a:p>
+          <a:p>
+            <a:pPr marL="228600" indent="-228600">
+              <a:buAutoNum type="arabicPeriod"/>
+            </a:pPr>
+            <a:r>
+              <a:rPr lang="en-US" dirty="0"/>
+              <a:t>Open-source model</a:t>
+            </a:r>
+          </a:p>
+          <a:p>
+            <a:pPr marL="0" indent="0">
+              <a:buNone/>
+            </a:pPr>
+            <a:endParaRPr lang="en-US" dirty="0"/>
+          </a:p>
+          <a:p>
+            <a:pPr marL="0" indent="0">
+              <a:buNone/>
+            </a:pPr>
+            <a:r>
+              <a:rPr lang="en-US" dirty="0"/>
+              <a:t>Any use of a model would need to include a program to handle complaints.</a:t>
+            </a:r>
+          </a:p>
+          <a:p>
+            <a:endParaRPr lang="en-US" dirty="0"/>
+          </a:p>
+          <a:p>
+            <a:r>
+              <a:rPr lang="en-US" dirty="0"/>
+              <a:t>Given the importance of this topic, I hope that we can continue discussions between industry and regulator to produce a solution.</a:t>
             </a:r>
           </a:p>
           <a:p>
@@ -1505,7 +1584,7 @@
           <a:p>
             <a:fld id="{EA0C0817-A112-4847-8014-A94B7D2A4EA3}" type="datetime1">
               <a:rPr lang="en-US" smtClean="0"/>
-              <a:t>11/15/2022</a:t>
+              <a:t>11/16/2022</a:t>
             </a:fld>
             <a:endParaRPr lang="en-US" dirty="0"/>
           </a:p>
@@ -1707,7 +1786,7 @@
           <a:p>
             <a:fld id="{7332B432-ACDA-4023-A761-2BAB76577B62}" type="datetime1">
               <a:rPr lang="en-US" smtClean="0"/>
-              <a:t>11/15/2022</a:t>
+              <a:t>11/16/2022</a:t>
             </a:fld>
             <a:endParaRPr lang="en-US" dirty="0"/>
           </a:p>
@@ -2306,7 +2385,7 @@
           <a:p>
             <a:fld id="{D9C646AA-F36E-4540-911D-FFFC0A0EF24A}" type="datetime1">
               <a:rPr lang="en-US" smtClean="0"/>
-              <a:t>11/15/2022</a:t>
+              <a:t>11/16/2022</a:t>
             </a:fld>
             <a:endParaRPr lang="en-US" dirty="0"/>
           </a:p>
@@ -2626,7 +2705,7 @@
           <a:p>
             <a:fld id="{69186D26-FA5F-4637-B602-B7C2DC34CFD4}" type="datetime1">
               <a:rPr lang="en-US" smtClean="0"/>
-              <a:t>11/15/2022</a:t>
+              <a:t>11/16/2022</a:t>
             </a:fld>
             <a:endParaRPr lang="en-US" dirty="0"/>
           </a:p>
@@ -3063,7 +3142,7 @@
           <a:p>
             <a:fld id="{8A7F15D8-96D1-4781-BC50-CA8A088B2FE4}" type="datetime1">
               <a:rPr lang="en-US" smtClean="0"/>
-              <a:t>11/15/2022</a:t>
+              <a:t>11/16/2022</a:t>
             </a:fld>
             <a:endParaRPr lang="en-US" dirty="0"/>
           </a:p>
@@ -3181,7 +3260,7 @@
           <a:p>
             <a:fld id="{F9A96C99-B8F8-4528-BD05-0E16E943DC09}" type="datetime1">
               <a:rPr lang="en-US" smtClean="0"/>
-              <a:t>11/15/2022</a:t>
+              <a:t>11/16/2022</a:t>
             </a:fld>
             <a:endParaRPr lang="en-US" dirty="0"/>
           </a:p>
@@ -3276,7 +3355,7 @@
           <a:p>
             <a:fld id="{03636942-C211-4B28-8DBD-C953E00AF71B}" type="datetime1">
               <a:rPr lang="en-US" smtClean="0"/>
-              <a:t>11/15/2022</a:t>
+              <a:t>11/16/2022</a:t>
             </a:fld>
             <a:endParaRPr lang="en-US" dirty="0"/>
           </a:p>
@@ -3693,7 +3772,7 @@
           <a:p>
             <a:fld id="{7E8D12A6-918A-48BD-8CB9-CA713993B0EA}" type="datetime1">
               <a:rPr lang="en-US" smtClean="0"/>
-              <a:t>11/15/2022</a:t>
+              <a:t>11/16/2022</a:t>
             </a:fld>
             <a:endParaRPr lang="en-US" dirty="0"/>
           </a:p>
@@ -3955,7 +4034,7 @@
             <a:fld id="{E778CE86-875F-4587-BCF6-FA054AFC0D53}" type="datetime1">
               <a:rPr lang="en-US" smtClean="0"/>
               <a:pPr/>
-              <a:t>11/15/2022</a:t>
+              <a:t>11/16/2022</a:t>
             </a:fld>
             <a:endParaRPr lang="en-US" dirty="0"/>
           </a:p>
@@ -4471,7 +4550,7 @@
           <a:p>
             <a:fld id="{F6FA2B21-3FCD-4721-B95C-427943F61125}" type="datetime1">
               <a:rPr lang="en-US" smtClean="0"/>
-              <a:t>11/15/2022</a:t>
+              <a:t>11/16/2022</a:t>
             </a:fld>
             <a:endParaRPr lang="en-US" dirty="0"/>
           </a:p>
@@ -6142,24 +6221,6 @@
 </file>
 
 <file path=customXml/item1.xml><?xml version="1.0" encoding="utf-8"?>
-<?mso-contentType ?>
-<FormTemplates xmlns="http://schemas.microsoft.com/sharepoint/v3/contenttype/forms">
-  <Display>DocumentLibraryForm</Display>
-  <Edit>DocumentLibraryForm</Edit>
-  <New>DocumentLibraryForm</New>
-</FormTemplates>
-</file>
-
-<file path=customXml/item2.xml><?xml version="1.0" encoding="utf-8"?>
-<p:properties xmlns:p="http://schemas.microsoft.com/office/2006/metadata/properties" xmlns:xsi="http://www.w3.org/2001/XMLSchema-instance" xmlns:pc="http://schemas.microsoft.com/office/infopath/2007/PartnerControls">
-  <documentManagement>
-    <Status xmlns="71af3243-3dd4-4a8d-8c0d-dd76da1f02a5">Not started</Status>
-    <MediaServiceKeyPoints xmlns="71af3243-3dd4-4a8d-8c0d-dd76da1f02a5" xsi:nil="true"/>
-  </documentManagement>
-</p:properties>
-</file>
-
-<file path=customXml/item3.xml><?xml version="1.0" encoding="utf-8"?>
 <ct:contentTypeSchema xmlns:ct="http://schemas.microsoft.com/office/2006/metadata/contentType" xmlns:ma="http://schemas.microsoft.com/office/2006/metadata/properties/metaAttributes" ct:_="" ma:_="" ma:contentTypeName="Document" ma:contentTypeID="0x01010079F111ED35F8CC479449609E8A0923A6" ma:contentTypeVersion="12" ma:contentTypeDescription="Create a new document." ma:contentTypeScope="" ma:versionID="a410dd7f93c95333ffa1b60ed6adedd1">
   <xsd:schema xmlns:xsd="http://www.w3.org/2001/XMLSchema" xmlns:xs="http://www.w3.org/2001/XMLSchema" xmlns:p="http://schemas.microsoft.com/office/2006/metadata/properties" xmlns:ns2="71af3243-3dd4-4a8d-8c0d-dd76da1f02a5" xmlns:ns3="16c05727-aa75-4e4a-9b5f-8a80a1165891" targetNamespace="http://schemas.microsoft.com/office/2006/metadata/properties" ma:root="true" ma:fieldsID="a936d9baba76aa3866493feff160faab" ns2:_="" ns3:_="">
     <xsd:import namespace="71af3243-3dd4-4a8d-8c0d-dd76da1f02a5"/>
@@ -6380,25 +6441,25 @@
 </ct:contentTypeSchema>
 </file>
 
-<file path=customXml/itemProps1.xml><?xml version="1.0" encoding="utf-8"?>
-<ds:datastoreItem xmlns:ds="http://schemas.openxmlformats.org/officeDocument/2006/customXml" ds:itemID="{AE2713E1-6312-427E-BFCB-C5A5DA301373}">
-  <ds:schemaRefs>
-    <ds:schemaRef ds:uri="http://schemas.microsoft.com/sharepoint/v3/contenttype/forms"/>
-  </ds:schemaRefs>
-</ds:datastoreItem>
+<file path=customXml/item2.xml><?xml version="1.0" encoding="utf-8"?>
+<p:properties xmlns:p="http://schemas.microsoft.com/office/2006/metadata/properties" xmlns:xsi="http://www.w3.org/2001/XMLSchema-instance" xmlns:pc="http://schemas.microsoft.com/office/infopath/2007/PartnerControls">
+  <documentManagement>
+    <Status xmlns="71af3243-3dd4-4a8d-8c0d-dd76da1f02a5">Not started</Status>
+    <MediaServiceKeyPoints xmlns="71af3243-3dd4-4a8d-8c0d-dd76da1f02a5" xsi:nil="true"/>
+  </documentManagement>
+</p:properties>
 </file>
 
-<file path=customXml/itemProps2.xml><?xml version="1.0" encoding="utf-8"?>
-<ds:datastoreItem xmlns:ds="http://schemas.openxmlformats.org/officeDocument/2006/customXml" ds:itemID="{52F3B215-496E-4790-A364-7C1C46DEC771}">
-  <ds:schemaRefs>
-    <ds:schemaRef ds:uri="http://schemas.microsoft.com/office/2006/metadata/properties"/>
-    <ds:schemaRef ds:uri="http://schemas.microsoft.com/office/infopath/2007/PartnerControls"/>
-    <ds:schemaRef ds:uri="71af3243-3dd4-4a8d-8c0d-dd76da1f02a5"/>
-  </ds:schemaRefs>
-</ds:datastoreItem>
+<file path=customXml/item3.xml><?xml version="1.0" encoding="utf-8"?>
+<?mso-contentType ?>
+<FormTemplates xmlns="http://schemas.microsoft.com/sharepoint/v3/contenttype/forms">
+  <Display>DocumentLibraryForm</Display>
+  <Edit>DocumentLibraryForm</Edit>
+  <New>DocumentLibraryForm</New>
+</FormTemplates>
 </file>
 
-<file path=customXml/itemProps3.xml><?xml version="1.0" encoding="utf-8"?>
+<file path=customXml/itemProps1.xml><?xml version="1.0" encoding="utf-8"?>
 <ds:datastoreItem xmlns:ds="http://schemas.openxmlformats.org/officeDocument/2006/customXml" ds:itemID="{50DB95DD-0319-4EE5-8C5C-9CEDF75E024B}">
   <ds:schemaRefs>
     <ds:schemaRef ds:uri="http://schemas.microsoft.com/office/2006/metadata/contentType"/>
@@ -6415,4 +6476,22 @@
     <ds:schemaRef ds:uri="http://schemas.microsoft.com/internal/obd"/>
   </ds:schemaRefs>
 </ds:datastoreItem>
+</file>
+
+<file path=customXml/itemProps2.xml><?xml version="1.0" encoding="utf-8"?>
+<ds:datastoreItem xmlns:ds="http://schemas.openxmlformats.org/officeDocument/2006/customXml" ds:itemID="{52F3B215-496E-4790-A364-7C1C46DEC771}">
+  <ds:schemaRefs>
+    <ds:schemaRef ds:uri="http://schemas.microsoft.com/office/2006/metadata/properties"/>
+    <ds:schemaRef ds:uri="http://schemas.microsoft.com/office/infopath/2007/PartnerControls"/>
+    <ds:schemaRef ds:uri="71af3243-3dd4-4a8d-8c0d-dd76da1f02a5"/>
+  </ds:schemaRefs>
+</ds:datastoreItem>
+</file>
+
+<file path=customXml/itemProps3.xml><?xml version="1.0" encoding="utf-8"?>
+<ds:datastoreItem xmlns:ds="http://schemas.openxmlformats.org/officeDocument/2006/customXml" ds:itemID="{AE2713E1-6312-427E-BFCB-C5A5DA301373}">
+  <ds:schemaRefs>
+    <ds:schemaRef ds:uri="http://schemas.microsoft.com/sharepoint/v3/contenttype/forms"/>
+  </ds:schemaRefs>
+</ds:datastoreItem>
 </file>